--- a/Slowing_down_v2_files/Fig. 3.pptx
+++ b/Slowing_down_v2_files/Fig. 3.pptx
@@ -272,7 +272,7 @@
           <a:p>
             <a:fld id="{E1DDA8CA-C5D6-B741-AFD2-4B55B27A3827}" type="datetimeFigureOut">
               <a:rPr lang="en-CH" smtClean="0"/>
-              <a:t>09.07.2024</a:t>
+              <a:t>24.07.2024</a:t>
             </a:fld>
             <a:endParaRPr lang="en-CH"/>
           </a:p>
@@ -472,7 +472,7 @@
           <a:p>
             <a:fld id="{E1DDA8CA-C5D6-B741-AFD2-4B55B27A3827}" type="datetimeFigureOut">
               <a:rPr lang="en-CH" smtClean="0"/>
-              <a:t>09.07.2024</a:t>
+              <a:t>24.07.2024</a:t>
             </a:fld>
             <a:endParaRPr lang="en-CH"/>
           </a:p>
@@ -682,7 +682,7 @@
           <a:p>
             <a:fld id="{E1DDA8CA-C5D6-B741-AFD2-4B55B27A3827}" type="datetimeFigureOut">
               <a:rPr lang="en-CH" smtClean="0"/>
-              <a:t>09.07.2024</a:t>
+              <a:t>24.07.2024</a:t>
             </a:fld>
             <a:endParaRPr lang="en-CH"/>
           </a:p>
@@ -882,7 +882,7 @@
           <a:p>
             <a:fld id="{E1DDA8CA-C5D6-B741-AFD2-4B55B27A3827}" type="datetimeFigureOut">
               <a:rPr lang="en-CH" smtClean="0"/>
-              <a:t>09.07.2024</a:t>
+              <a:t>24.07.2024</a:t>
             </a:fld>
             <a:endParaRPr lang="en-CH"/>
           </a:p>
@@ -1158,7 +1158,7 @@
           <a:p>
             <a:fld id="{E1DDA8CA-C5D6-B741-AFD2-4B55B27A3827}" type="datetimeFigureOut">
               <a:rPr lang="en-CH" smtClean="0"/>
-              <a:t>09.07.2024</a:t>
+              <a:t>24.07.2024</a:t>
             </a:fld>
             <a:endParaRPr lang="en-CH"/>
           </a:p>
@@ -1426,7 +1426,7 @@
           <a:p>
             <a:fld id="{E1DDA8CA-C5D6-B741-AFD2-4B55B27A3827}" type="datetimeFigureOut">
               <a:rPr lang="en-CH" smtClean="0"/>
-              <a:t>09.07.2024</a:t>
+              <a:t>24.07.2024</a:t>
             </a:fld>
             <a:endParaRPr lang="en-CH"/>
           </a:p>
@@ -1841,7 +1841,7 @@
           <a:p>
             <a:fld id="{E1DDA8CA-C5D6-B741-AFD2-4B55B27A3827}" type="datetimeFigureOut">
               <a:rPr lang="en-CH" smtClean="0"/>
-              <a:t>09.07.2024</a:t>
+              <a:t>24.07.2024</a:t>
             </a:fld>
             <a:endParaRPr lang="en-CH"/>
           </a:p>
@@ -1983,7 +1983,7 @@
           <a:p>
             <a:fld id="{E1DDA8CA-C5D6-B741-AFD2-4B55B27A3827}" type="datetimeFigureOut">
               <a:rPr lang="en-CH" smtClean="0"/>
-              <a:t>09.07.2024</a:t>
+              <a:t>24.07.2024</a:t>
             </a:fld>
             <a:endParaRPr lang="en-CH"/>
           </a:p>
@@ -2096,7 +2096,7 @@
           <a:p>
             <a:fld id="{E1DDA8CA-C5D6-B741-AFD2-4B55B27A3827}" type="datetimeFigureOut">
               <a:rPr lang="en-CH" smtClean="0"/>
-              <a:t>09.07.2024</a:t>
+              <a:t>24.07.2024</a:t>
             </a:fld>
             <a:endParaRPr lang="en-CH"/>
           </a:p>
@@ -2409,7 +2409,7 @@
           <a:p>
             <a:fld id="{E1DDA8CA-C5D6-B741-AFD2-4B55B27A3827}" type="datetimeFigureOut">
               <a:rPr lang="en-CH" smtClean="0"/>
-              <a:t>09.07.2024</a:t>
+              <a:t>24.07.2024</a:t>
             </a:fld>
             <a:endParaRPr lang="en-CH"/>
           </a:p>
@@ -2698,7 +2698,7 @@
           <a:p>
             <a:fld id="{E1DDA8CA-C5D6-B741-AFD2-4B55B27A3827}" type="datetimeFigureOut">
               <a:rPr lang="en-CH" smtClean="0"/>
-              <a:t>09.07.2024</a:t>
+              <a:t>24.07.2024</a:t>
             </a:fld>
             <a:endParaRPr lang="en-CH"/>
           </a:p>
@@ -2941,7 +2941,7 @@
           <a:p>
             <a:fld id="{E1DDA8CA-C5D6-B741-AFD2-4B55B27A3827}" type="datetimeFigureOut">
               <a:rPr lang="en-CH" smtClean="0"/>
-              <a:t>09.07.2024</a:t>
+              <a:t>24.07.2024</a:t>
             </a:fld>
             <a:endParaRPr lang="en-CH"/>
           </a:p>
@@ -3360,10 +3360,10 @@
       </p:grpSpPr>
       <p:pic>
         <p:nvPicPr>
-          <p:cNvPr id="17" name="Picture 16">
-            <a:extLst>
-              <a:ext uri="{FF2B5EF4-FFF2-40B4-BE49-F238E27FC236}">
-                <a16:creationId xmlns:a16="http://schemas.microsoft.com/office/drawing/2014/main" id="{73FB8752-6E8D-9D2D-C6B4-27DA590AEACB}"/>
+          <p:cNvPr id="7" name="Picture 6">
+            <a:extLst>
+              <a:ext uri="{FF2B5EF4-FFF2-40B4-BE49-F238E27FC236}">
+                <a16:creationId xmlns:a16="http://schemas.microsoft.com/office/drawing/2014/main" id="{C1F7803C-6BCD-93C5-1DF1-7E8886C9CA91}"/>
               </a:ext>
             </a:extLst>
           </p:cNvPr>
@@ -3380,8 +3380,8 @@
         </p:blipFill>
         <p:spPr>
           <a:xfrm>
-            <a:off x="2151433" y="-43910"/>
-            <a:ext cx="8325256" cy="6937713"/>
+            <a:off x="2239295" y="0"/>
+            <a:ext cx="8191902" cy="6857999"/>
           </a:xfrm>
           <a:prstGeom prst="rect">
             <a:avLst/>
@@ -3416,7 +3416,7 @@
         </p:blipFill>
         <p:spPr>
           <a:xfrm>
-            <a:off x="4867073" y="350196"/>
+            <a:off x="4879765" y="350196"/>
             <a:ext cx="393969" cy="393969"/>
           </a:xfrm>
           <a:prstGeom prst="rect">
@@ -3452,7 +3452,7 @@
         </p:blipFill>
         <p:spPr>
           <a:xfrm>
-            <a:off x="4473104" y="350196"/>
+            <a:off x="4485796" y="350196"/>
             <a:ext cx="393969" cy="393969"/>
           </a:xfrm>
           <a:prstGeom prst="rect">
@@ -3488,7 +3488,7 @@
         </p:blipFill>
         <p:spPr>
           <a:xfrm>
-            <a:off x="6790719" y="350195"/>
+            <a:off x="6849711" y="350195"/>
             <a:ext cx="393969" cy="393969"/>
           </a:xfrm>
           <a:prstGeom prst="rect">
@@ -3524,7 +3524,7 @@
         </p:blipFill>
         <p:spPr>
           <a:xfrm>
-            <a:off x="6396750" y="350195"/>
+            <a:off x="6455742" y="350195"/>
             <a:ext cx="393969" cy="393969"/>
           </a:xfrm>
           <a:prstGeom prst="rect">
@@ -3560,7 +3560,7 @@
         </p:blipFill>
         <p:spPr>
           <a:xfrm>
-            <a:off x="8771512" y="350195"/>
+            <a:off x="8786260" y="350195"/>
             <a:ext cx="393969" cy="393969"/>
           </a:xfrm>
           <a:prstGeom prst="rect">
@@ -3596,7 +3596,7 @@
         </p:blipFill>
         <p:spPr>
           <a:xfrm>
-            <a:off x="8377543" y="350195"/>
+            <a:off x="8392291" y="350195"/>
             <a:ext cx="393969" cy="393969"/>
           </a:xfrm>
           <a:prstGeom prst="rect">
